--- a/apr25.pptx
+++ b/apr25.pptx
@@ -7,11 +7,16 @@
   <p:sldIdLst>
     <p:sldId id="256" r:id="rId2"/>
     <p:sldId id="257" r:id="rId3"/>
-    <p:sldId id="258" r:id="rId4"/>
+    <p:sldId id="266" r:id="rId4"/>
     <p:sldId id="259" r:id="rId5"/>
     <p:sldId id="260" r:id="rId6"/>
     <p:sldId id="261" r:id="rId7"/>
     <p:sldId id="262" r:id="rId8"/>
+    <p:sldId id="264" r:id="rId9"/>
+    <p:sldId id="258" r:id="rId10"/>
+    <p:sldId id="263" r:id="rId11"/>
+    <p:sldId id="265" r:id="rId12"/>
+    <p:sldId id="267" r:id="rId13"/>
   </p:sldIdLst>
   <p:sldSz cx="12192000" cy="6858000"/>
   <p:notesSz cx="6858000" cy="9144000"/>
@@ -110,6 +115,11 @@
       </a:defRPr>
     </a:lvl9pPr>
   </p:defaultTextStyle>
+  <p:extLst>
+    <p:ext uri="{EFAFB233-063F-42B5-8137-9DF3F51BA10A}">
+      <p15:sldGuideLst xmlns:p15="http://schemas.microsoft.com/office/powerpoint/2012/main"/>
+    </p:ext>
+  </p:extLst>
 </p:presentation>
 </file>
 
@@ -260,7 +270,7 @@
           <a:p>
             <a:fld id="{DDA210B8-69D2-4279-8FC8-E0D6324C2306}" type="datetimeFigureOut">
               <a:rPr lang="en-US" smtClean="0"/>
-              <a:t>4/24/2023</a:t>
+              <a:t>4/25/2023</a:t>
             </a:fld>
             <a:endParaRPr lang="en-US"/>
           </a:p>
@@ -458,7 +468,7 @@
           <a:p>
             <a:fld id="{DDA210B8-69D2-4279-8FC8-E0D6324C2306}" type="datetimeFigureOut">
               <a:rPr lang="en-US" smtClean="0"/>
-              <a:t>4/24/2023</a:t>
+              <a:t>4/25/2023</a:t>
             </a:fld>
             <a:endParaRPr lang="en-US"/>
           </a:p>
@@ -666,7 +676,7 @@
           <a:p>
             <a:fld id="{DDA210B8-69D2-4279-8FC8-E0D6324C2306}" type="datetimeFigureOut">
               <a:rPr lang="en-US" smtClean="0"/>
-              <a:t>4/24/2023</a:t>
+              <a:t>4/25/2023</a:t>
             </a:fld>
             <a:endParaRPr lang="en-US"/>
           </a:p>
@@ -864,7 +874,7 @@
           <a:p>
             <a:fld id="{DDA210B8-69D2-4279-8FC8-E0D6324C2306}" type="datetimeFigureOut">
               <a:rPr lang="en-US" smtClean="0"/>
-              <a:t>4/24/2023</a:t>
+              <a:t>4/25/2023</a:t>
             </a:fld>
             <a:endParaRPr lang="en-US"/>
           </a:p>
@@ -1139,7 +1149,7 @@
           <a:p>
             <a:fld id="{DDA210B8-69D2-4279-8FC8-E0D6324C2306}" type="datetimeFigureOut">
               <a:rPr lang="en-US" smtClean="0"/>
-              <a:t>4/24/2023</a:t>
+              <a:t>4/25/2023</a:t>
             </a:fld>
             <a:endParaRPr lang="en-US"/>
           </a:p>
@@ -1404,7 +1414,7 @@
           <a:p>
             <a:fld id="{DDA210B8-69D2-4279-8FC8-E0D6324C2306}" type="datetimeFigureOut">
               <a:rPr lang="en-US" smtClean="0"/>
-              <a:t>4/24/2023</a:t>
+              <a:t>4/25/2023</a:t>
             </a:fld>
             <a:endParaRPr lang="en-US"/>
           </a:p>
@@ -1816,7 +1826,7 @@
           <a:p>
             <a:fld id="{DDA210B8-69D2-4279-8FC8-E0D6324C2306}" type="datetimeFigureOut">
               <a:rPr lang="en-US" smtClean="0"/>
-              <a:t>4/24/2023</a:t>
+              <a:t>4/25/2023</a:t>
             </a:fld>
             <a:endParaRPr lang="en-US"/>
           </a:p>
@@ -1957,7 +1967,7 @@
           <a:p>
             <a:fld id="{DDA210B8-69D2-4279-8FC8-E0D6324C2306}" type="datetimeFigureOut">
               <a:rPr lang="en-US" smtClean="0"/>
-              <a:t>4/24/2023</a:t>
+              <a:t>4/25/2023</a:t>
             </a:fld>
             <a:endParaRPr lang="en-US"/>
           </a:p>
@@ -2070,7 +2080,7 @@
           <a:p>
             <a:fld id="{DDA210B8-69D2-4279-8FC8-E0D6324C2306}" type="datetimeFigureOut">
               <a:rPr lang="en-US" smtClean="0"/>
-              <a:t>4/24/2023</a:t>
+              <a:t>4/25/2023</a:t>
             </a:fld>
             <a:endParaRPr lang="en-US"/>
           </a:p>
@@ -2381,7 +2391,7 @@
           <a:p>
             <a:fld id="{DDA210B8-69D2-4279-8FC8-E0D6324C2306}" type="datetimeFigureOut">
               <a:rPr lang="en-US" smtClean="0"/>
-              <a:t>4/24/2023</a:t>
+              <a:t>4/25/2023</a:t>
             </a:fld>
             <a:endParaRPr lang="en-US"/>
           </a:p>
@@ -2669,7 +2679,7 @@
           <a:p>
             <a:fld id="{DDA210B8-69D2-4279-8FC8-E0D6324C2306}" type="datetimeFigureOut">
               <a:rPr lang="en-US" smtClean="0"/>
-              <a:t>4/24/2023</a:t>
+              <a:t>4/25/2023</a:t>
             </a:fld>
             <a:endParaRPr lang="en-US"/>
           </a:p>
@@ -2910,7 +2920,7 @@
           <a:p>
             <a:fld id="{DDA210B8-69D2-4279-8FC8-E0D6324C2306}" type="datetimeFigureOut">
               <a:rPr lang="en-US" smtClean="0"/>
-              <a:t>4/24/2023</a:t>
+              <a:t>4/25/2023</a:t>
             </a:fld>
             <a:endParaRPr lang="en-US"/>
           </a:p>
@@ -3404,6 +3414,360 @@
 </p:sld>
 </file>
 
+<file path=ppt/slides/slide10.xml><?xml version="1.0" encoding="utf-8"?>
+<p:sld xmlns:a="http://schemas.openxmlformats.org/drawingml/2006/main" xmlns:r="http://schemas.openxmlformats.org/officeDocument/2006/relationships" xmlns:p="http://schemas.openxmlformats.org/presentationml/2006/main">
+  <p:cSld>
+    <p:spTree>
+      <p:nvGrpSpPr>
+        <p:cNvPr id="1" name=""/>
+        <p:cNvGrpSpPr/>
+        <p:nvPr/>
+      </p:nvGrpSpPr>
+      <p:grpSpPr>
+        <a:xfrm>
+          <a:off x="0" y="0"/>
+          <a:ext cx="0" cy="0"/>
+          <a:chOff x="0" y="0"/>
+          <a:chExt cx="0" cy="0"/>
+        </a:xfrm>
+      </p:grpSpPr>
+      <p:sp>
+        <p:nvSpPr>
+          <p:cNvPr id="2" name="Title 1">
+            <a:extLst>
+              <a:ext uri="{FF2B5EF4-FFF2-40B4-BE49-F238E27FC236}">
+                <a16:creationId xmlns:a16="http://schemas.microsoft.com/office/drawing/2014/main" id="{109767AF-EEA4-3EF6-E9CA-0B792D7DD057}"/>
+              </a:ext>
+            </a:extLst>
+          </p:cNvPr>
+          <p:cNvSpPr>
+            <a:spLocks noGrp="1"/>
+          </p:cNvSpPr>
+          <p:nvPr>
+            <p:ph type="title"/>
+          </p:nvPr>
+        </p:nvSpPr>
+        <p:spPr/>
+        <p:txBody>
+          <a:bodyPr/>
+          <a:lstStyle/>
+          <a:p>
+            <a:endParaRPr lang="en-US"/>
+          </a:p>
+        </p:txBody>
+      </p:sp>
+      <p:pic>
+        <p:nvPicPr>
+          <p:cNvPr id="5" name="Content Placeholder 4" descr="A picture containing text, plot, line, font&#10;&#10;Description automatically generated">
+            <a:extLst>
+              <a:ext uri="{FF2B5EF4-FFF2-40B4-BE49-F238E27FC236}">
+                <a16:creationId xmlns:a16="http://schemas.microsoft.com/office/drawing/2014/main" id="{2D246A41-2CEF-4933-8AF7-1713D4EE19E5}"/>
+              </a:ext>
+            </a:extLst>
+          </p:cNvPr>
+          <p:cNvPicPr>
+            <a:picLocks noGrp="1" noChangeAspect="1"/>
+          </p:cNvPicPr>
+          <p:nvPr>
+            <p:ph idx="1"/>
+          </p:nvPr>
+        </p:nvPicPr>
+        <p:blipFill>
+          <a:blip r:embed="rId2">
+            <a:extLst>
+              <a:ext uri="{28A0092B-C50C-407E-A947-70E740481C1C}">
+                <a14:useLocalDpi xmlns:a14="http://schemas.microsoft.com/office/drawing/2010/main" val="0"/>
+              </a:ext>
+            </a:extLst>
+          </a:blip>
+          <a:stretch>
+            <a:fillRect/>
+          </a:stretch>
+        </p:blipFill>
+        <p:spPr>
+          <a:xfrm>
+            <a:off x="6096000" y="0"/>
+            <a:ext cx="6096000" cy="3386667"/>
+          </a:xfrm>
+        </p:spPr>
+      </p:pic>
+      <p:pic>
+        <p:nvPicPr>
+          <p:cNvPr id="7" name="Picture 6" descr="A picture containing text, screenshot, plot, diagram&#10;&#10;Description automatically generated">
+            <a:extLst>
+              <a:ext uri="{FF2B5EF4-FFF2-40B4-BE49-F238E27FC236}">
+                <a16:creationId xmlns:a16="http://schemas.microsoft.com/office/drawing/2014/main" id="{24728A7D-00F8-D905-3132-14A284111459}"/>
+              </a:ext>
+            </a:extLst>
+          </p:cNvPr>
+          <p:cNvPicPr>
+            <a:picLocks noChangeAspect="1"/>
+          </p:cNvPicPr>
+          <p:nvPr/>
+        </p:nvPicPr>
+        <p:blipFill>
+          <a:blip r:embed="rId3">
+            <a:extLst>
+              <a:ext uri="{28A0092B-C50C-407E-A947-70E740481C1C}">
+                <a14:useLocalDpi xmlns:a14="http://schemas.microsoft.com/office/drawing/2010/main" val="0"/>
+              </a:ext>
+            </a:extLst>
+          </a:blip>
+          <a:stretch>
+            <a:fillRect/>
+          </a:stretch>
+        </p:blipFill>
+        <p:spPr>
+          <a:xfrm>
+            <a:off x="0" y="3471332"/>
+            <a:ext cx="6096000" cy="3386667"/>
+          </a:xfrm>
+          <a:prstGeom prst="rect">
+            <a:avLst/>
+          </a:prstGeom>
+        </p:spPr>
+      </p:pic>
+      <p:pic>
+        <p:nvPicPr>
+          <p:cNvPr id="9" name="Picture 8" descr="A picture containing text, screenshot, plot&#10;&#10;Description automatically generated">
+            <a:extLst>
+              <a:ext uri="{FF2B5EF4-FFF2-40B4-BE49-F238E27FC236}">
+                <a16:creationId xmlns:a16="http://schemas.microsoft.com/office/drawing/2014/main" id="{5A1927D6-1228-40ED-3A4D-6C2F94BC534A}"/>
+              </a:ext>
+            </a:extLst>
+          </p:cNvPr>
+          <p:cNvPicPr>
+            <a:picLocks noChangeAspect="1"/>
+          </p:cNvPicPr>
+          <p:nvPr/>
+        </p:nvPicPr>
+        <p:blipFill>
+          <a:blip r:embed="rId4">
+            <a:extLst>
+              <a:ext uri="{28A0092B-C50C-407E-A947-70E740481C1C}">
+                <a14:useLocalDpi xmlns:a14="http://schemas.microsoft.com/office/drawing/2010/main" val="0"/>
+              </a:ext>
+            </a:extLst>
+          </a:blip>
+          <a:stretch>
+            <a:fillRect/>
+          </a:stretch>
+        </p:blipFill>
+        <p:spPr>
+          <a:xfrm>
+            <a:off x="6095998" y="3471331"/>
+            <a:ext cx="6096001" cy="3386667"/>
+          </a:xfrm>
+          <a:prstGeom prst="rect">
+            <a:avLst/>
+          </a:prstGeom>
+        </p:spPr>
+      </p:pic>
+    </p:spTree>
+    <p:extLst>
+      <p:ext uri="{BB962C8B-B14F-4D97-AF65-F5344CB8AC3E}">
+        <p14:creationId xmlns:p14="http://schemas.microsoft.com/office/powerpoint/2010/main" val="2494900411"/>
+      </p:ext>
+    </p:extLst>
+  </p:cSld>
+  <p:clrMapOvr>
+    <a:masterClrMapping/>
+  </p:clrMapOvr>
+</p:sld>
+</file>
+
+<file path=ppt/slides/slide11.xml><?xml version="1.0" encoding="utf-8"?>
+<p:sld xmlns:a="http://schemas.openxmlformats.org/drawingml/2006/main" xmlns:r="http://schemas.openxmlformats.org/officeDocument/2006/relationships" xmlns:p="http://schemas.openxmlformats.org/presentationml/2006/main">
+  <p:cSld>
+    <p:spTree>
+      <p:nvGrpSpPr>
+        <p:cNvPr id="1" name=""/>
+        <p:cNvGrpSpPr/>
+        <p:nvPr/>
+      </p:nvGrpSpPr>
+      <p:grpSpPr>
+        <a:xfrm>
+          <a:off x="0" y="0"/>
+          <a:ext cx="0" cy="0"/>
+          <a:chOff x="0" y="0"/>
+          <a:chExt cx="0" cy="0"/>
+        </a:xfrm>
+      </p:grpSpPr>
+      <p:sp>
+        <p:nvSpPr>
+          <p:cNvPr id="2" name="Title 1">
+            <a:extLst>
+              <a:ext uri="{FF2B5EF4-FFF2-40B4-BE49-F238E27FC236}">
+                <a16:creationId xmlns:a16="http://schemas.microsoft.com/office/drawing/2014/main" id="{806187D0-63B4-383B-1BAC-261211A572C1}"/>
+              </a:ext>
+            </a:extLst>
+          </p:cNvPr>
+          <p:cNvSpPr>
+            <a:spLocks noGrp="1"/>
+          </p:cNvSpPr>
+          <p:nvPr>
+            <p:ph type="title"/>
+          </p:nvPr>
+        </p:nvSpPr>
+        <p:spPr/>
+        <p:txBody>
+          <a:bodyPr/>
+          <a:lstStyle/>
+          <a:p>
+            <a:endParaRPr lang="en-US"/>
+          </a:p>
+        </p:txBody>
+      </p:sp>
+      <p:pic>
+        <p:nvPicPr>
+          <p:cNvPr id="5" name="Content Placeholder 4" descr="A picture containing text, plot, line, font&#10;&#10;Description automatically generated">
+            <a:extLst>
+              <a:ext uri="{FF2B5EF4-FFF2-40B4-BE49-F238E27FC236}">
+                <a16:creationId xmlns:a16="http://schemas.microsoft.com/office/drawing/2014/main" id="{5723659E-5D2E-6769-05E6-330F390ECE98}"/>
+              </a:ext>
+            </a:extLst>
+          </p:cNvPr>
+          <p:cNvPicPr>
+            <a:picLocks noGrp="1" noChangeAspect="1"/>
+          </p:cNvPicPr>
+          <p:nvPr>
+            <p:ph idx="1"/>
+          </p:nvPr>
+        </p:nvPicPr>
+        <p:blipFill>
+          <a:blip r:embed="rId2">
+            <a:extLst>
+              <a:ext uri="{28A0092B-C50C-407E-A947-70E740481C1C}">
+                <a14:useLocalDpi xmlns:a14="http://schemas.microsoft.com/office/drawing/2010/main" val="0"/>
+              </a:ext>
+            </a:extLst>
+          </a:blip>
+          <a:stretch>
+            <a:fillRect/>
+          </a:stretch>
+        </p:blipFill>
+        <p:spPr>
+          <a:xfrm>
+            <a:off x="6096000" y="0"/>
+            <a:ext cx="6096000" cy="3386667"/>
+          </a:xfrm>
+        </p:spPr>
+      </p:pic>
+    </p:spTree>
+    <p:extLst>
+      <p:ext uri="{BB962C8B-B14F-4D97-AF65-F5344CB8AC3E}">
+        <p14:creationId xmlns:p14="http://schemas.microsoft.com/office/powerpoint/2010/main" val="3033742723"/>
+      </p:ext>
+    </p:extLst>
+  </p:cSld>
+  <p:clrMapOvr>
+    <a:masterClrMapping/>
+  </p:clrMapOvr>
+</p:sld>
+</file>
+
+<file path=ppt/slides/slide12.xml><?xml version="1.0" encoding="utf-8"?>
+<p:sld xmlns:a="http://schemas.openxmlformats.org/drawingml/2006/main" xmlns:r="http://schemas.openxmlformats.org/officeDocument/2006/relationships" xmlns:p="http://schemas.openxmlformats.org/presentationml/2006/main">
+  <p:cSld>
+    <p:spTree>
+      <p:nvGrpSpPr>
+        <p:cNvPr id="1" name=""/>
+        <p:cNvGrpSpPr/>
+        <p:nvPr/>
+      </p:nvGrpSpPr>
+      <p:grpSpPr>
+        <a:xfrm>
+          <a:off x="0" y="0"/>
+          <a:ext cx="0" cy="0"/>
+          <a:chOff x="0" y="0"/>
+          <a:chExt cx="0" cy="0"/>
+        </a:xfrm>
+      </p:grpSpPr>
+      <p:pic>
+        <p:nvPicPr>
+          <p:cNvPr id="15" name="Picture 14" descr="A picture containing text, plot, diagram, line&#10;&#10;Description automatically generated">
+            <a:extLst>
+              <a:ext uri="{FF2B5EF4-FFF2-40B4-BE49-F238E27FC236}">
+                <a16:creationId xmlns:a16="http://schemas.microsoft.com/office/drawing/2014/main" id="{9D0ECF6E-4E6B-AA2C-FCE0-C148C7EB6130}"/>
+              </a:ext>
+            </a:extLst>
+          </p:cNvPr>
+          <p:cNvPicPr>
+            <a:picLocks noChangeAspect="1"/>
+          </p:cNvPicPr>
+          <p:nvPr/>
+        </p:nvPicPr>
+        <p:blipFill>
+          <a:blip r:embed="rId2">
+            <a:extLst>
+              <a:ext uri="{28A0092B-C50C-407E-A947-70E740481C1C}">
+                <a14:useLocalDpi xmlns:a14="http://schemas.microsoft.com/office/drawing/2010/main" val="0"/>
+              </a:ext>
+            </a:extLst>
+          </a:blip>
+          <a:stretch>
+            <a:fillRect/>
+          </a:stretch>
+        </p:blipFill>
+        <p:spPr>
+          <a:xfrm>
+            <a:off x="0" y="0"/>
+            <a:ext cx="6206852" cy="3448251"/>
+          </a:xfrm>
+          <a:prstGeom prst="rect">
+            <a:avLst/>
+          </a:prstGeom>
+        </p:spPr>
+      </p:pic>
+      <p:pic>
+        <p:nvPicPr>
+          <p:cNvPr id="17" name="Picture 16" descr="A picture containing text, plot, line, screenshot&#10;&#10;Description automatically generated">
+            <a:extLst>
+              <a:ext uri="{FF2B5EF4-FFF2-40B4-BE49-F238E27FC236}">
+                <a16:creationId xmlns:a16="http://schemas.microsoft.com/office/drawing/2014/main" id="{0994154F-EE0E-CE0E-06DD-607EB68DFEA4}"/>
+              </a:ext>
+            </a:extLst>
+          </p:cNvPr>
+          <p:cNvPicPr>
+            <a:picLocks noChangeAspect="1"/>
+          </p:cNvPicPr>
+          <p:nvPr/>
+        </p:nvPicPr>
+        <p:blipFill>
+          <a:blip r:embed="rId3">
+            <a:extLst>
+              <a:ext uri="{28A0092B-C50C-407E-A947-70E740481C1C}">
+                <a14:useLocalDpi xmlns:a14="http://schemas.microsoft.com/office/drawing/2010/main" val="0"/>
+              </a:ext>
+            </a:extLst>
+          </a:blip>
+          <a:stretch>
+            <a:fillRect/>
+          </a:stretch>
+        </p:blipFill>
+        <p:spPr>
+          <a:xfrm>
+            <a:off x="6096001" y="-1"/>
+            <a:ext cx="6096000" cy="3386667"/>
+          </a:xfrm>
+          <a:prstGeom prst="rect">
+            <a:avLst/>
+          </a:prstGeom>
+        </p:spPr>
+      </p:pic>
+    </p:spTree>
+    <p:extLst>
+      <p:ext uri="{BB962C8B-B14F-4D97-AF65-F5344CB8AC3E}">
+        <p14:creationId xmlns:p14="http://schemas.microsoft.com/office/powerpoint/2010/main" val="1873989351"/>
+      </p:ext>
+    </p:extLst>
+  </p:cSld>
+  <p:clrMapOvr>
+    <a:masterClrMapping/>
+  </p:clrMapOvr>
+</p:sld>
+</file>
+
 <file path=ppt/slides/slide2.xml><?xml version="1.0" encoding="utf-8"?>
 <p:sld xmlns:a="http://schemas.openxmlformats.org/drawingml/2006/main" xmlns:r="http://schemas.openxmlformats.org/officeDocument/2006/relationships" xmlns:p="http://schemas.openxmlformats.org/presentationml/2006/main">
   <p:cSld>
@@ -3554,7 +3918,7 @@
           <p:cNvPr id="2" name="Title 1">
             <a:extLst>
               <a:ext uri="{FF2B5EF4-FFF2-40B4-BE49-F238E27FC236}">
-                <a16:creationId xmlns:a16="http://schemas.microsoft.com/office/drawing/2014/main" id="{9810F3D2-F160-0B31-9949-19736D25453C}"/>
+                <a16:creationId xmlns:a16="http://schemas.microsoft.com/office/drawing/2014/main" id="{00ECED8B-593A-9527-755B-2D1FA1B0E607}"/>
               </a:ext>
             </a:extLst>
           </p:cNvPr>
@@ -3570,7 +3934,10 @@
           <a:bodyPr/>
           <a:lstStyle/>
           <a:p>
-            <a:endParaRPr lang="en-US"/>
+            <a:r>
+              <a:rPr lang="en-US" dirty="0"/>
+              <a:t>Plot organization legend</a:t>
+            </a:r>
           </a:p>
         </p:txBody>
       </p:sp>
@@ -3579,7 +3946,7 @@
           <p:cNvPr id="3" name="Content Placeholder 2">
             <a:extLst>
               <a:ext uri="{FF2B5EF4-FFF2-40B4-BE49-F238E27FC236}">
-                <a16:creationId xmlns:a16="http://schemas.microsoft.com/office/drawing/2014/main" id="{80E789BE-14A9-8174-1E3A-B090600E07FE}"/>
+                <a16:creationId xmlns:a16="http://schemas.microsoft.com/office/drawing/2014/main" id="{1A865FA7-5F4B-12DD-04A9-259C082CF00F}"/>
               </a:ext>
             </a:extLst>
           </p:cNvPr>
@@ -3595,14 +3962,23 @@
           <a:bodyPr/>
           <a:lstStyle/>
           <a:p>
-            <a:endParaRPr lang="en-US"/>
+            <a:r>
+              <a:rPr lang="en-US" dirty="0"/>
+              <a:t>Top (Left, right): Axial Base, Central Caldera</a:t>
+            </a:r>
+          </a:p>
+          <a:p>
+            <a:r>
+              <a:rPr lang="en-US" dirty="0"/>
+              <a:t>Bottom (Left, right): Oregon Slope, Southern Hydrate</a:t>
+            </a:r>
           </a:p>
         </p:txBody>
       </p:sp>
     </p:spTree>
     <p:extLst>
       <p:ext uri="{BB962C8B-B14F-4D97-AF65-F5344CB8AC3E}">
-        <p14:creationId xmlns:p14="http://schemas.microsoft.com/office/powerpoint/2010/main" val="3106754266"/>
+        <p14:creationId xmlns:p14="http://schemas.microsoft.com/office/powerpoint/2010/main" val="4257621836"/>
       </p:ext>
     </p:extLst>
   </p:cSld>
@@ -3650,35 +4026,153 @@
           <a:bodyPr/>
           <a:lstStyle/>
           <a:p>
-            <a:endParaRPr lang="en-US"/>
-          </a:p>
-        </p:txBody>
-      </p:sp>
-      <p:sp>
-        <p:nvSpPr>
-          <p:cNvPr id="3" name="Content Placeholder 2">
-            <a:extLst>
-              <a:ext uri="{FF2B5EF4-FFF2-40B4-BE49-F238E27FC236}">
-                <a16:creationId xmlns:a16="http://schemas.microsoft.com/office/drawing/2014/main" id="{1A9EF202-A943-4A78-92B7-8CE092D9BAC1}"/>
-              </a:ext>
-            </a:extLst>
-          </p:cNvPr>
-          <p:cNvSpPr>
-            <a:spLocks noGrp="1"/>
-          </p:cNvSpPr>
+            <a:endParaRPr lang="en-US" dirty="0"/>
+          </a:p>
+        </p:txBody>
+      </p:sp>
+      <p:pic>
+        <p:nvPicPr>
+          <p:cNvPr id="5" name="Content Placeholder 4" descr="A picture containing text, screenshot, diagram, plot&#10;&#10;Description automatically generated">
+            <a:extLst>
+              <a:ext uri="{FF2B5EF4-FFF2-40B4-BE49-F238E27FC236}">
+                <a16:creationId xmlns:a16="http://schemas.microsoft.com/office/drawing/2014/main" id="{61F2E6E6-D5CE-CF5F-B3DA-CB6622F3BDB5}"/>
+              </a:ext>
+            </a:extLst>
+          </p:cNvPr>
+          <p:cNvPicPr>
+            <a:picLocks noGrp="1" noChangeAspect="1"/>
+          </p:cNvPicPr>
           <p:nvPr>
             <p:ph idx="1"/>
           </p:nvPr>
-        </p:nvSpPr>
-        <p:spPr/>
-        <p:txBody>
-          <a:bodyPr/>
-          <a:lstStyle/>
-          <a:p>
-            <a:endParaRPr lang="en-US"/>
-          </a:p>
-        </p:txBody>
-      </p:sp>
+        </p:nvPicPr>
+        <p:blipFill>
+          <a:blip r:embed="rId2">
+            <a:extLst>
+              <a:ext uri="{28A0092B-C50C-407E-A947-70E740481C1C}">
+                <a14:useLocalDpi xmlns:a14="http://schemas.microsoft.com/office/drawing/2010/main" val="0"/>
+              </a:ext>
+            </a:extLst>
+          </a:blip>
+          <a:stretch>
+            <a:fillRect/>
+          </a:stretch>
+        </p:blipFill>
+        <p:spPr>
+          <a:xfrm>
+            <a:off x="0" y="-1"/>
+            <a:ext cx="6096000" cy="3386667"/>
+          </a:xfrm>
+        </p:spPr>
+      </p:pic>
+      <p:pic>
+        <p:nvPicPr>
+          <p:cNvPr id="7" name="Picture 6" descr="A picture containing text, diagram, screenshot, plot&#10;&#10;Description automatically generated">
+            <a:extLst>
+              <a:ext uri="{FF2B5EF4-FFF2-40B4-BE49-F238E27FC236}">
+                <a16:creationId xmlns:a16="http://schemas.microsoft.com/office/drawing/2014/main" id="{6CA3D590-6218-040B-E79C-03D0EDAC0A61}"/>
+              </a:ext>
+            </a:extLst>
+          </p:cNvPr>
+          <p:cNvPicPr>
+            <a:picLocks noChangeAspect="1"/>
+          </p:cNvPicPr>
+          <p:nvPr/>
+        </p:nvPicPr>
+        <p:blipFill>
+          <a:blip r:embed="rId3">
+            <a:extLst>
+              <a:ext uri="{28A0092B-C50C-407E-A947-70E740481C1C}">
+                <a14:useLocalDpi xmlns:a14="http://schemas.microsoft.com/office/drawing/2010/main" val="0"/>
+              </a:ext>
+            </a:extLst>
+          </a:blip>
+          <a:stretch>
+            <a:fillRect/>
+          </a:stretch>
+        </p:blipFill>
+        <p:spPr>
+          <a:xfrm>
+            <a:off x="6096000" y="0"/>
+            <a:ext cx="6096000" cy="3386667"/>
+          </a:xfrm>
+          <a:prstGeom prst="rect">
+            <a:avLst/>
+          </a:prstGeom>
+        </p:spPr>
+      </p:pic>
+      <p:pic>
+        <p:nvPicPr>
+          <p:cNvPr id="9" name="Picture 8" descr="A picture containing text, diagram, screenshot, plot&#10;&#10;Description automatically generated">
+            <a:extLst>
+              <a:ext uri="{FF2B5EF4-FFF2-40B4-BE49-F238E27FC236}">
+                <a16:creationId xmlns:a16="http://schemas.microsoft.com/office/drawing/2014/main" id="{785B06E4-55CB-F1C9-9FB6-DD5DAFC9AAA7}"/>
+              </a:ext>
+            </a:extLst>
+          </p:cNvPr>
+          <p:cNvPicPr>
+            <a:picLocks noChangeAspect="1"/>
+          </p:cNvPicPr>
+          <p:nvPr/>
+        </p:nvPicPr>
+        <p:blipFill>
+          <a:blip r:embed="rId4">
+            <a:extLst>
+              <a:ext uri="{28A0092B-C50C-407E-A947-70E740481C1C}">
+                <a14:useLocalDpi xmlns:a14="http://schemas.microsoft.com/office/drawing/2010/main" val="0"/>
+              </a:ext>
+            </a:extLst>
+          </a:blip>
+          <a:stretch>
+            <a:fillRect/>
+          </a:stretch>
+        </p:blipFill>
+        <p:spPr>
+          <a:xfrm>
+            <a:off x="0" y="3471332"/>
+            <a:ext cx="6096000" cy="3386667"/>
+          </a:xfrm>
+          <a:prstGeom prst="rect">
+            <a:avLst/>
+          </a:prstGeom>
+        </p:spPr>
+      </p:pic>
+      <p:pic>
+        <p:nvPicPr>
+          <p:cNvPr id="11" name="Picture 10" descr="A picture containing text, plot, diagram, line&#10;&#10;Description automatically generated">
+            <a:extLst>
+              <a:ext uri="{FF2B5EF4-FFF2-40B4-BE49-F238E27FC236}">
+                <a16:creationId xmlns:a16="http://schemas.microsoft.com/office/drawing/2014/main" id="{C3A532C2-1469-C7DF-EBD9-5B7F90F1DA10}"/>
+              </a:ext>
+            </a:extLst>
+          </p:cNvPr>
+          <p:cNvPicPr>
+            <a:picLocks noChangeAspect="1"/>
+          </p:cNvPicPr>
+          <p:nvPr/>
+        </p:nvPicPr>
+        <p:blipFill>
+          <a:blip r:embed="rId5">
+            <a:extLst>
+              <a:ext uri="{28A0092B-C50C-407E-A947-70E740481C1C}">
+                <a14:useLocalDpi xmlns:a14="http://schemas.microsoft.com/office/drawing/2010/main" val="0"/>
+              </a:ext>
+            </a:extLst>
+          </a:blip>
+          <a:stretch>
+            <a:fillRect/>
+          </a:stretch>
+        </p:blipFill>
+        <p:spPr>
+          <a:xfrm>
+            <a:off x="6096000" y="3471332"/>
+            <a:ext cx="6096000" cy="3386667"/>
+          </a:xfrm>
+          <a:prstGeom prst="rect">
+            <a:avLst/>
+          </a:prstGeom>
+        </p:spPr>
+      </p:pic>
     </p:spTree>
     <p:extLst>
       <p:ext uri="{BB962C8B-B14F-4D97-AF65-F5344CB8AC3E}">
@@ -3734,31 +4228,113 @@
           </a:p>
         </p:txBody>
       </p:sp>
-      <p:sp>
-        <p:nvSpPr>
-          <p:cNvPr id="3" name="Content Placeholder 2">
-            <a:extLst>
-              <a:ext uri="{FF2B5EF4-FFF2-40B4-BE49-F238E27FC236}">
-                <a16:creationId xmlns:a16="http://schemas.microsoft.com/office/drawing/2014/main" id="{14776370-4CC2-87A6-899F-385929C094B3}"/>
-              </a:ext>
-            </a:extLst>
-          </p:cNvPr>
-          <p:cNvSpPr>
-            <a:spLocks noGrp="1"/>
-          </p:cNvSpPr>
+      <p:pic>
+        <p:nvPicPr>
+          <p:cNvPr id="5" name="Content Placeholder 4" descr="A picture containing text, screenshot, plot, line&#10;&#10;Description automatically generated">
+            <a:extLst>
+              <a:ext uri="{FF2B5EF4-FFF2-40B4-BE49-F238E27FC236}">
+                <a16:creationId xmlns:a16="http://schemas.microsoft.com/office/drawing/2014/main" id="{A460263F-0C74-64EB-00C0-1EDFD5D7EB10}"/>
+              </a:ext>
+            </a:extLst>
+          </p:cNvPr>
+          <p:cNvPicPr>
+            <a:picLocks noGrp="1" noChangeAspect="1"/>
+          </p:cNvPicPr>
           <p:nvPr>
             <p:ph idx="1"/>
           </p:nvPr>
-        </p:nvSpPr>
-        <p:spPr/>
-        <p:txBody>
-          <a:bodyPr/>
-          <a:lstStyle/>
-          <a:p>
-            <a:endParaRPr lang="en-US"/>
-          </a:p>
-        </p:txBody>
-      </p:sp>
+        </p:nvPicPr>
+        <p:blipFill>
+          <a:blip r:embed="rId2">
+            <a:extLst>
+              <a:ext uri="{28A0092B-C50C-407E-A947-70E740481C1C}">
+                <a14:useLocalDpi xmlns:a14="http://schemas.microsoft.com/office/drawing/2010/main" val="0"/>
+              </a:ext>
+            </a:extLst>
+          </a:blip>
+          <a:stretch>
+            <a:fillRect/>
+          </a:stretch>
+        </p:blipFill>
+        <p:spPr>
+          <a:xfrm>
+            <a:off x="0" y="0"/>
+            <a:ext cx="6096000" cy="3386667"/>
+          </a:xfrm>
+        </p:spPr>
+      </p:pic>
+      <p:pic>
+        <p:nvPicPr>
+          <p:cNvPr id="7" name="Picture 6" descr="A picture containing text, handwriting, line, plot&#10;&#10;Description automatically generated">
+            <a:extLst>
+              <a:ext uri="{FF2B5EF4-FFF2-40B4-BE49-F238E27FC236}">
+                <a16:creationId xmlns:a16="http://schemas.microsoft.com/office/drawing/2014/main" id="{C01A3D5B-012B-D0FA-DA15-AD9B2B234B89}"/>
+              </a:ext>
+            </a:extLst>
+          </p:cNvPr>
+          <p:cNvPicPr>
+            <a:picLocks noChangeAspect="1"/>
+          </p:cNvPicPr>
+          <p:nvPr/>
+        </p:nvPicPr>
+        <p:blipFill>
+          <a:blip r:embed="rId3">
+            <a:extLst>
+              <a:ext uri="{28A0092B-C50C-407E-A947-70E740481C1C}">
+                <a14:useLocalDpi xmlns:a14="http://schemas.microsoft.com/office/drawing/2010/main" val="0"/>
+              </a:ext>
+            </a:extLst>
+          </a:blip>
+          <a:stretch>
+            <a:fillRect/>
+          </a:stretch>
+        </p:blipFill>
+        <p:spPr>
+          <a:xfrm>
+            <a:off x="6096000" y="0"/>
+            <a:ext cx="6096000" cy="3386667"/>
+          </a:xfrm>
+          <a:prstGeom prst="rect">
+            <a:avLst/>
+          </a:prstGeom>
+        </p:spPr>
+      </p:pic>
+      <p:pic>
+        <p:nvPicPr>
+          <p:cNvPr id="9" name="Picture 8" descr="A picture containing text, plot, diagram, screenshot&#10;&#10;Description automatically generated">
+            <a:extLst>
+              <a:ext uri="{FF2B5EF4-FFF2-40B4-BE49-F238E27FC236}">
+                <a16:creationId xmlns:a16="http://schemas.microsoft.com/office/drawing/2014/main" id="{0CBAB41F-BADE-0574-BD08-7C894AE27B9C}"/>
+              </a:ext>
+            </a:extLst>
+          </p:cNvPr>
+          <p:cNvPicPr>
+            <a:picLocks noChangeAspect="1"/>
+          </p:cNvPicPr>
+          <p:nvPr/>
+        </p:nvPicPr>
+        <p:blipFill>
+          <a:blip r:embed="rId4">
+            <a:extLst>
+              <a:ext uri="{28A0092B-C50C-407E-A947-70E740481C1C}">
+                <a14:useLocalDpi xmlns:a14="http://schemas.microsoft.com/office/drawing/2010/main" val="0"/>
+              </a:ext>
+            </a:extLst>
+          </a:blip>
+          <a:stretch>
+            <a:fillRect/>
+          </a:stretch>
+        </p:blipFill>
+        <p:spPr>
+          <a:xfrm>
+            <a:off x="0" y="3471332"/>
+            <a:ext cx="6096000" cy="3386667"/>
+          </a:xfrm>
+          <a:prstGeom prst="rect">
+            <a:avLst/>
+          </a:prstGeom>
+        </p:spPr>
+      </p:pic>
     </p:spTree>
     <p:extLst>
       <p:ext uri="{BB962C8B-B14F-4D97-AF65-F5344CB8AC3E}">
@@ -3814,31 +4390,42 @@
           </a:p>
         </p:txBody>
       </p:sp>
-      <p:sp>
-        <p:nvSpPr>
-          <p:cNvPr id="3" name="Content Placeholder 2">
-            <a:extLst>
-              <a:ext uri="{FF2B5EF4-FFF2-40B4-BE49-F238E27FC236}">
-                <a16:creationId xmlns:a16="http://schemas.microsoft.com/office/drawing/2014/main" id="{32432C71-20CA-0DBB-E578-239F14021FFF}"/>
-              </a:ext>
-            </a:extLst>
-          </p:cNvPr>
-          <p:cNvSpPr>
-            <a:spLocks noGrp="1"/>
-          </p:cNvSpPr>
-          <p:nvPr>
-            <p:ph idx="1"/>
-          </p:nvPr>
-        </p:nvSpPr>
-        <p:spPr/>
-        <p:txBody>
-          <a:bodyPr/>
-          <a:lstStyle/>
-          <a:p>
-            <a:endParaRPr lang="en-US"/>
-          </a:p>
-        </p:txBody>
-      </p:sp>
+      <p:pic>
+        <p:nvPicPr>
+          <p:cNvPr id="9" name="Picture 8" descr="A picture containing text, plot, line, font&#10;&#10;Description automatically generated">
+            <a:extLst>
+              <a:ext uri="{FF2B5EF4-FFF2-40B4-BE49-F238E27FC236}">
+                <a16:creationId xmlns:a16="http://schemas.microsoft.com/office/drawing/2014/main" id="{5F526E4B-9F2D-2480-C569-0EB5AC3324DB}"/>
+              </a:ext>
+            </a:extLst>
+          </p:cNvPr>
+          <p:cNvPicPr>
+            <a:picLocks noChangeAspect="1"/>
+          </p:cNvPicPr>
+          <p:nvPr/>
+        </p:nvPicPr>
+        <p:blipFill>
+          <a:blip r:embed="rId2">
+            <a:extLst>
+              <a:ext uri="{28A0092B-C50C-407E-A947-70E740481C1C}">
+                <a14:useLocalDpi xmlns:a14="http://schemas.microsoft.com/office/drawing/2010/main" val="0"/>
+              </a:ext>
+            </a:extLst>
+          </a:blip>
+          <a:stretch>
+            <a:fillRect/>
+          </a:stretch>
+        </p:blipFill>
+        <p:spPr>
+          <a:xfrm>
+            <a:off x="0" y="3471332"/>
+            <a:ext cx="6096002" cy="3386668"/>
+          </a:xfrm>
+          <a:prstGeom prst="rect">
+            <a:avLst/>
+          </a:prstGeom>
+        </p:spPr>
+      </p:pic>
     </p:spTree>
     <p:extLst>
       <p:ext uri="{BB962C8B-B14F-4D97-AF65-F5344CB8AC3E}">
@@ -3894,35 +4481,333 @@
           </a:p>
         </p:txBody>
       </p:sp>
-      <p:sp>
-        <p:nvSpPr>
-          <p:cNvPr id="3" name="Content Placeholder 2">
-            <a:extLst>
-              <a:ext uri="{FF2B5EF4-FFF2-40B4-BE49-F238E27FC236}">
-                <a16:creationId xmlns:a16="http://schemas.microsoft.com/office/drawing/2014/main" id="{F37F4A9F-FEEF-9FFB-82F6-44E981D61A2F}"/>
-              </a:ext>
-            </a:extLst>
-          </p:cNvPr>
-          <p:cNvSpPr>
-            <a:spLocks noGrp="1"/>
-          </p:cNvSpPr>
+      <p:pic>
+        <p:nvPicPr>
+          <p:cNvPr id="5" name="Content Placeholder 4" descr="A picture containing text, plot, line, diagram&#10;&#10;Description automatically generated">
+            <a:extLst>
+              <a:ext uri="{FF2B5EF4-FFF2-40B4-BE49-F238E27FC236}">
+                <a16:creationId xmlns:a16="http://schemas.microsoft.com/office/drawing/2014/main" id="{E58A14CF-9D94-E543-F182-724F18C6B047}"/>
+              </a:ext>
+            </a:extLst>
+          </p:cNvPr>
+          <p:cNvPicPr>
+            <a:picLocks noGrp="1" noChangeAspect="1"/>
+          </p:cNvPicPr>
           <p:nvPr>
             <p:ph idx="1"/>
           </p:nvPr>
-        </p:nvSpPr>
-        <p:spPr/>
-        <p:txBody>
-          <a:bodyPr/>
-          <a:lstStyle/>
-          <a:p>
-            <a:endParaRPr lang="en-US"/>
-          </a:p>
-        </p:txBody>
-      </p:sp>
+        </p:nvPicPr>
+        <p:blipFill>
+          <a:blip r:embed="rId2">
+            <a:extLst>
+              <a:ext uri="{28A0092B-C50C-407E-A947-70E740481C1C}">
+                <a14:useLocalDpi xmlns:a14="http://schemas.microsoft.com/office/drawing/2010/main" val="0"/>
+              </a:ext>
+            </a:extLst>
+          </a:blip>
+          <a:stretch>
+            <a:fillRect/>
+          </a:stretch>
+        </p:blipFill>
+        <p:spPr>
+          <a:xfrm>
+            <a:off x="0" y="3471332"/>
+            <a:ext cx="6096000" cy="3386667"/>
+          </a:xfrm>
+        </p:spPr>
+      </p:pic>
+      <p:pic>
+        <p:nvPicPr>
+          <p:cNvPr id="9" name="Picture 8" descr="A picture containing text, plot, line, diagram&#10;&#10;Description automatically generated">
+            <a:extLst>
+              <a:ext uri="{FF2B5EF4-FFF2-40B4-BE49-F238E27FC236}">
+                <a16:creationId xmlns:a16="http://schemas.microsoft.com/office/drawing/2014/main" id="{8DD6EA61-C067-27F7-F0A5-4E82EEFB50D7}"/>
+              </a:ext>
+            </a:extLst>
+          </p:cNvPr>
+          <p:cNvPicPr>
+            <a:picLocks noChangeAspect="1"/>
+          </p:cNvPicPr>
+          <p:nvPr/>
+        </p:nvPicPr>
+        <p:blipFill>
+          <a:blip r:embed="rId3">
+            <a:extLst>
+              <a:ext uri="{28A0092B-C50C-407E-A947-70E740481C1C}">
+                <a14:useLocalDpi xmlns:a14="http://schemas.microsoft.com/office/drawing/2010/main" val="0"/>
+              </a:ext>
+            </a:extLst>
+          </a:blip>
+          <a:stretch>
+            <a:fillRect/>
+          </a:stretch>
+        </p:blipFill>
+        <p:spPr>
+          <a:xfrm>
+            <a:off x="0" y="0"/>
+            <a:ext cx="6096000" cy="3386667"/>
+          </a:xfrm>
+          <a:prstGeom prst="rect">
+            <a:avLst/>
+          </a:prstGeom>
+        </p:spPr>
+      </p:pic>
     </p:spTree>
     <p:extLst>
       <p:ext uri="{BB962C8B-B14F-4D97-AF65-F5344CB8AC3E}">
         <p14:creationId xmlns:p14="http://schemas.microsoft.com/office/powerpoint/2010/main" val="1338562063"/>
+      </p:ext>
+    </p:extLst>
+  </p:cSld>
+  <p:clrMapOvr>
+    <a:masterClrMapping/>
+  </p:clrMapOvr>
+</p:sld>
+</file>
+
+<file path=ppt/slides/slide8.xml><?xml version="1.0" encoding="utf-8"?>
+<p:sld xmlns:a="http://schemas.openxmlformats.org/drawingml/2006/main" xmlns:r="http://schemas.openxmlformats.org/officeDocument/2006/relationships" xmlns:p="http://schemas.openxmlformats.org/presentationml/2006/main">
+  <p:cSld>
+    <p:spTree>
+      <p:nvGrpSpPr>
+        <p:cNvPr id="1" name=""/>
+        <p:cNvGrpSpPr/>
+        <p:nvPr/>
+      </p:nvGrpSpPr>
+      <p:grpSpPr>
+        <a:xfrm>
+          <a:off x="0" y="0"/>
+          <a:ext cx="0" cy="0"/>
+          <a:chOff x="0" y="0"/>
+          <a:chExt cx="0" cy="0"/>
+        </a:xfrm>
+      </p:grpSpPr>
+      <p:sp>
+        <p:nvSpPr>
+          <p:cNvPr id="2" name="Title 1">
+            <a:extLst>
+              <a:ext uri="{FF2B5EF4-FFF2-40B4-BE49-F238E27FC236}">
+                <a16:creationId xmlns:a16="http://schemas.microsoft.com/office/drawing/2014/main" id="{8847D205-4680-4665-CBA8-4F3209129D99}"/>
+              </a:ext>
+            </a:extLst>
+          </p:cNvPr>
+          <p:cNvSpPr>
+            <a:spLocks noGrp="1"/>
+          </p:cNvSpPr>
+          <p:nvPr>
+            <p:ph type="title"/>
+          </p:nvPr>
+        </p:nvSpPr>
+        <p:spPr/>
+        <p:txBody>
+          <a:bodyPr/>
+          <a:lstStyle/>
+          <a:p>
+            <a:endParaRPr lang="en-US"/>
+          </a:p>
+        </p:txBody>
+      </p:sp>
+      <p:pic>
+        <p:nvPicPr>
+          <p:cNvPr id="5" name="Content Placeholder 4" descr="A picture containing text, screenshot, diagram, line&#10;&#10;Description automatically generated">
+            <a:extLst>
+              <a:ext uri="{FF2B5EF4-FFF2-40B4-BE49-F238E27FC236}">
+                <a16:creationId xmlns:a16="http://schemas.microsoft.com/office/drawing/2014/main" id="{E7F2F65D-8202-7605-4E9C-B789FCE32BF8}"/>
+              </a:ext>
+            </a:extLst>
+          </p:cNvPr>
+          <p:cNvPicPr>
+            <a:picLocks noGrp="1" noChangeAspect="1"/>
+          </p:cNvPicPr>
+          <p:nvPr>
+            <p:ph idx="1"/>
+          </p:nvPr>
+        </p:nvPicPr>
+        <p:blipFill>
+          <a:blip r:embed="rId2">
+            <a:extLst>
+              <a:ext uri="{28A0092B-C50C-407E-A947-70E740481C1C}">
+                <a14:useLocalDpi xmlns:a14="http://schemas.microsoft.com/office/drawing/2010/main" val="0"/>
+              </a:ext>
+            </a:extLst>
+          </a:blip>
+          <a:stretch>
+            <a:fillRect/>
+          </a:stretch>
+        </p:blipFill>
+        <p:spPr>
+          <a:xfrm>
+            <a:off x="0" y="0"/>
+            <a:ext cx="6096000" cy="3386667"/>
+          </a:xfrm>
+        </p:spPr>
+      </p:pic>
+      <p:pic>
+        <p:nvPicPr>
+          <p:cNvPr id="7" name="Picture 6" descr="A close-up of a graph&#10;&#10;Description automatically generated with low confidence">
+            <a:extLst>
+              <a:ext uri="{FF2B5EF4-FFF2-40B4-BE49-F238E27FC236}">
+                <a16:creationId xmlns:a16="http://schemas.microsoft.com/office/drawing/2014/main" id="{CDA87DCC-0FAA-092D-9291-B2990C38B016}"/>
+              </a:ext>
+            </a:extLst>
+          </p:cNvPr>
+          <p:cNvPicPr>
+            <a:picLocks noChangeAspect="1"/>
+          </p:cNvPicPr>
+          <p:nvPr/>
+        </p:nvPicPr>
+        <p:blipFill>
+          <a:blip r:embed="rId3">
+            <a:extLst>
+              <a:ext uri="{28A0092B-C50C-407E-A947-70E740481C1C}">
+                <a14:useLocalDpi xmlns:a14="http://schemas.microsoft.com/office/drawing/2010/main" val="0"/>
+              </a:ext>
+            </a:extLst>
+          </a:blip>
+          <a:stretch>
+            <a:fillRect/>
+          </a:stretch>
+        </p:blipFill>
+        <p:spPr>
+          <a:xfrm>
+            <a:off x="6095998" y="0"/>
+            <a:ext cx="6096001" cy="3386667"/>
+          </a:xfrm>
+          <a:prstGeom prst="rect">
+            <a:avLst/>
+          </a:prstGeom>
+        </p:spPr>
+      </p:pic>
+    </p:spTree>
+    <p:extLst>
+      <p:ext uri="{BB962C8B-B14F-4D97-AF65-F5344CB8AC3E}">
+        <p14:creationId xmlns:p14="http://schemas.microsoft.com/office/powerpoint/2010/main" val="1504348208"/>
+      </p:ext>
+    </p:extLst>
+  </p:cSld>
+  <p:clrMapOvr>
+    <a:masterClrMapping/>
+  </p:clrMapOvr>
+</p:sld>
+</file>
+
+<file path=ppt/slides/slide9.xml><?xml version="1.0" encoding="utf-8"?>
+<p:sld xmlns:a="http://schemas.openxmlformats.org/drawingml/2006/main" xmlns:r="http://schemas.openxmlformats.org/officeDocument/2006/relationships" xmlns:p="http://schemas.openxmlformats.org/presentationml/2006/main">
+  <p:cSld>
+    <p:spTree>
+      <p:nvGrpSpPr>
+        <p:cNvPr id="1" name=""/>
+        <p:cNvGrpSpPr/>
+        <p:nvPr/>
+      </p:nvGrpSpPr>
+      <p:grpSpPr>
+        <a:xfrm>
+          <a:off x="0" y="0"/>
+          <a:ext cx="0" cy="0"/>
+          <a:chOff x="0" y="0"/>
+          <a:chExt cx="0" cy="0"/>
+        </a:xfrm>
+      </p:grpSpPr>
+      <p:sp>
+        <p:nvSpPr>
+          <p:cNvPr id="2" name="Title 1">
+            <a:extLst>
+              <a:ext uri="{FF2B5EF4-FFF2-40B4-BE49-F238E27FC236}">
+                <a16:creationId xmlns:a16="http://schemas.microsoft.com/office/drawing/2014/main" id="{9810F3D2-F160-0B31-9949-19736D25453C}"/>
+              </a:ext>
+            </a:extLst>
+          </p:cNvPr>
+          <p:cNvSpPr>
+            <a:spLocks noGrp="1"/>
+          </p:cNvSpPr>
+          <p:nvPr>
+            <p:ph type="title"/>
+          </p:nvPr>
+        </p:nvSpPr>
+        <p:spPr/>
+        <p:txBody>
+          <a:bodyPr/>
+          <a:lstStyle/>
+          <a:p>
+            <a:endParaRPr lang="en-US"/>
+          </a:p>
+        </p:txBody>
+      </p:sp>
+      <p:pic>
+        <p:nvPicPr>
+          <p:cNvPr id="5" name="Content Placeholder 4" descr="A picture containing text, plot, line, screenshot&#10;&#10;Description automatically generated">
+            <a:extLst>
+              <a:ext uri="{FF2B5EF4-FFF2-40B4-BE49-F238E27FC236}">
+                <a16:creationId xmlns:a16="http://schemas.microsoft.com/office/drawing/2014/main" id="{7637C17C-F08A-03F4-3F2A-252884CDBA86}"/>
+              </a:ext>
+            </a:extLst>
+          </p:cNvPr>
+          <p:cNvPicPr>
+            <a:picLocks noGrp="1" noChangeAspect="1"/>
+          </p:cNvPicPr>
+          <p:nvPr>
+            <p:ph idx="1"/>
+          </p:nvPr>
+        </p:nvPicPr>
+        <p:blipFill>
+          <a:blip r:embed="rId2">
+            <a:extLst>
+              <a:ext uri="{28A0092B-C50C-407E-A947-70E740481C1C}">
+                <a14:useLocalDpi xmlns:a14="http://schemas.microsoft.com/office/drawing/2010/main" val="0"/>
+              </a:ext>
+            </a:extLst>
+          </a:blip>
+          <a:stretch>
+            <a:fillRect/>
+          </a:stretch>
+        </p:blipFill>
+        <p:spPr>
+          <a:xfrm>
+            <a:off x="0" y="0"/>
+            <a:ext cx="6096000" cy="3386667"/>
+          </a:xfrm>
+        </p:spPr>
+      </p:pic>
+      <p:pic>
+        <p:nvPicPr>
+          <p:cNvPr id="7" name="Picture 6" descr="A picture containing text, plot, font, line&#10;&#10;Description automatically generated">
+            <a:extLst>
+              <a:ext uri="{FF2B5EF4-FFF2-40B4-BE49-F238E27FC236}">
+                <a16:creationId xmlns:a16="http://schemas.microsoft.com/office/drawing/2014/main" id="{47C48112-6C33-93B6-9ACB-2DBFD67AD738}"/>
+              </a:ext>
+            </a:extLst>
+          </p:cNvPr>
+          <p:cNvPicPr>
+            <a:picLocks noChangeAspect="1"/>
+          </p:cNvPicPr>
+          <p:nvPr/>
+        </p:nvPicPr>
+        <p:blipFill>
+          <a:blip r:embed="rId3">
+            <a:extLst>
+              <a:ext uri="{28A0092B-C50C-407E-A947-70E740481C1C}">
+                <a14:useLocalDpi xmlns:a14="http://schemas.microsoft.com/office/drawing/2010/main" val="0"/>
+              </a:ext>
+            </a:extLst>
+          </a:blip>
+          <a:stretch>
+            <a:fillRect/>
+          </a:stretch>
+        </p:blipFill>
+        <p:spPr>
+          <a:xfrm>
+            <a:off x="6095998" y="0"/>
+            <a:ext cx="6096001" cy="3386667"/>
+          </a:xfrm>
+          <a:prstGeom prst="rect">
+            <a:avLst/>
+          </a:prstGeom>
+        </p:spPr>
+      </p:pic>
+    </p:spTree>
+    <p:extLst>
+      <p:ext uri="{BB962C8B-B14F-4D97-AF65-F5344CB8AC3E}">
+        <p14:creationId xmlns:p14="http://schemas.microsoft.com/office/powerpoint/2010/main" val="3106754266"/>
       </p:ext>
     </p:extLst>
   </p:cSld>
